--- a/Module 3 - Decoupling Software.pptx
+++ b/Module 3 - Decoupling Software.pptx
@@ -5,37 +5,38 @@
     <p:sldMasterId id="2147483648" r:id="rId1"/>
   </p:sldMasterIdLst>
   <p:notesMasterIdLst>
-    <p:notesMasterId r:id="rId30"/>
+    <p:notesMasterId r:id="rId31"/>
   </p:notesMasterIdLst>
   <p:sldIdLst>
     <p:sldId id="256" r:id="rId2"/>
-    <p:sldId id="277" r:id="rId3"/>
-    <p:sldId id="276" r:id="rId4"/>
-    <p:sldId id="319" r:id="rId5"/>
-    <p:sldId id="295" r:id="rId6"/>
-    <p:sldId id="296" r:id="rId7"/>
-    <p:sldId id="326" r:id="rId8"/>
-    <p:sldId id="321" r:id="rId9"/>
-    <p:sldId id="297" r:id="rId10"/>
-    <p:sldId id="324" r:id="rId11"/>
-    <p:sldId id="323" r:id="rId12"/>
-    <p:sldId id="299" r:id="rId13"/>
-    <p:sldId id="325" r:id="rId14"/>
-    <p:sldId id="322" r:id="rId15"/>
-    <p:sldId id="311" r:id="rId16"/>
-    <p:sldId id="312" r:id="rId17"/>
-    <p:sldId id="315" r:id="rId18"/>
-    <p:sldId id="314" r:id="rId19"/>
-    <p:sldId id="283" r:id="rId20"/>
+    <p:sldId id="276" r:id="rId3"/>
+    <p:sldId id="319" r:id="rId4"/>
+    <p:sldId id="295" r:id="rId5"/>
+    <p:sldId id="296" r:id="rId6"/>
+    <p:sldId id="326" r:id="rId7"/>
+    <p:sldId id="321" r:id="rId8"/>
+    <p:sldId id="297" r:id="rId9"/>
+    <p:sldId id="324" r:id="rId10"/>
+    <p:sldId id="323" r:id="rId11"/>
+    <p:sldId id="299" r:id="rId12"/>
+    <p:sldId id="325" r:id="rId13"/>
+    <p:sldId id="322" r:id="rId14"/>
+    <p:sldId id="311" r:id="rId15"/>
+    <p:sldId id="312" r:id="rId16"/>
+    <p:sldId id="315" r:id="rId17"/>
+    <p:sldId id="314" r:id="rId18"/>
+    <p:sldId id="283" r:id="rId19"/>
+    <p:sldId id="474" r:id="rId20"/>
     <p:sldId id="313" r:id="rId21"/>
     <p:sldId id="287" r:id="rId22"/>
-    <p:sldId id="316" r:id="rId23"/>
-    <p:sldId id="317" r:id="rId24"/>
-    <p:sldId id="318" r:id="rId25"/>
-    <p:sldId id="327" r:id="rId26"/>
-    <p:sldId id="303" r:id="rId27"/>
-    <p:sldId id="282" r:id="rId28"/>
-    <p:sldId id="473" r:id="rId29"/>
+    <p:sldId id="475" r:id="rId23"/>
+    <p:sldId id="316" r:id="rId24"/>
+    <p:sldId id="317" r:id="rId25"/>
+    <p:sldId id="318" r:id="rId26"/>
+    <p:sldId id="327" r:id="rId27"/>
+    <p:sldId id="303" r:id="rId28"/>
+    <p:sldId id="282" r:id="rId29"/>
+    <p:sldId id="473" r:id="rId30"/>
   </p:sldIdLst>
   <p:sldSz cx="9144000" cy="6858000" type="screen4x3"/>
   <p:notesSz cx="6858000" cy="9144000"/>
@@ -567,7 +568,7 @@
           <a:p>
             <a:fld id="{C83F6DC5-1049-46C3-9CC2-51A933231ED5}" type="slidenum">
               <a:rPr lang="en-US" smtClean="0"/>
-              <a:t>3</a:t>
+              <a:t>2</a:t>
             </a:fld>
             <a:endParaRPr lang="en-US"/>
           </a:p>
@@ -651,7 +652,7 @@
           <a:p>
             <a:fld id="{C83F6DC5-1049-46C3-9CC2-51A933231ED5}" type="slidenum">
               <a:rPr lang="en-US" smtClean="0"/>
-              <a:t>7</a:t>
+              <a:t>6</a:t>
             </a:fld>
             <a:endParaRPr lang="en-US"/>
           </a:p>
@@ -735,7 +736,7 @@
           <a:p>
             <a:fld id="{C83F6DC5-1049-46C3-9CC2-51A933231ED5}" type="slidenum">
               <a:rPr lang="en-US" smtClean="0"/>
-              <a:t>11</a:t>
+              <a:t>10</a:t>
             </a:fld>
             <a:endParaRPr lang="en-US"/>
           </a:p>
@@ -822,7 +823,7 @@
           <a:p>
             <a:fld id="{C83F6DC5-1049-46C3-9CC2-51A933231ED5}" type="slidenum">
               <a:rPr lang="en-US" smtClean="0"/>
-              <a:t>18</a:t>
+              <a:t>17</a:t>
             </a:fld>
             <a:endParaRPr lang="en-US"/>
           </a:p>
@@ -906,7 +907,7 @@
           <a:p>
             <a:fld id="{C83F6DC5-1049-46C3-9CC2-51A933231ED5}" type="slidenum">
               <a:rPr lang="en-US" smtClean="0"/>
-              <a:t>23</a:t>
+              <a:t>24</a:t>
             </a:fld>
             <a:endParaRPr lang="en-US"/>
           </a:p>
@@ -1014,7 +1015,7 @@
           <a:p>
             <a:fld id="{C83F6DC5-1049-46C3-9CC2-51A933231ED5}" type="slidenum">
               <a:rPr lang="en-US" smtClean="0"/>
-              <a:t>24</a:t>
+              <a:t>25</a:t>
             </a:fld>
             <a:endParaRPr lang="en-US"/>
           </a:p>
@@ -1098,7 +1099,7 @@
           <a:p>
             <a:fld id="{C83F6DC5-1049-46C3-9CC2-51A933231ED5}" type="slidenum">
               <a:rPr lang="en-US" smtClean="0"/>
-              <a:t>25</a:t>
+              <a:t>26</a:t>
             </a:fld>
             <a:endParaRPr lang="en-US"/>
           </a:p>
@@ -1108,6 +1109,90 @@
     <p:extLst>
       <p:ext uri="{BB962C8B-B14F-4D97-AF65-F5344CB8AC3E}">
         <p14:creationId xmlns:p14="http://schemas.microsoft.com/office/powerpoint/2010/main" val="2931382545"/>
+      </p:ext>
+    </p:extLst>
+  </p:cSld>
+  <p:clrMapOvr>
+    <a:masterClrMapping/>
+  </p:clrMapOvr>
+</p:notes>
+</file>
+
+<file path=ppt/notesSlides/notesSlide8.xml><?xml version="1.0" encoding="utf-8"?>
+<p:notes xmlns:a="http://schemas.openxmlformats.org/drawingml/2006/main" xmlns:r="http://schemas.openxmlformats.org/officeDocument/2006/relationships" xmlns:p="http://schemas.openxmlformats.org/presentationml/2006/main">
+  <p:cSld>
+    <p:spTree>
+      <p:nvGrpSpPr>
+        <p:cNvPr id="1" name=""/>
+        <p:cNvGrpSpPr/>
+        <p:nvPr/>
+      </p:nvGrpSpPr>
+      <p:grpSpPr>
+        <a:xfrm>
+          <a:off x="0" y="0"/>
+          <a:ext cx="0" cy="0"/>
+          <a:chOff x="0" y="0"/>
+          <a:chExt cx="0" cy="0"/>
+        </a:xfrm>
+      </p:grpSpPr>
+      <p:sp>
+        <p:nvSpPr>
+          <p:cNvPr id="2" name="Slide Image Placeholder 1"/>
+          <p:cNvSpPr>
+            <a:spLocks noGrp="1" noRot="1" noChangeAspect="1"/>
+          </p:cNvSpPr>
+          <p:nvPr>
+            <p:ph type="sldImg"/>
+          </p:nvPr>
+        </p:nvSpPr>
+        <p:spPr/>
+      </p:sp>
+      <p:sp>
+        <p:nvSpPr>
+          <p:cNvPr id="3" name="Notes Placeholder 2"/>
+          <p:cNvSpPr>
+            <a:spLocks noGrp="1"/>
+          </p:cNvSpPr>
+          <p:nvPr>
+            <p:ph type="body" idx="1"/>
+          </p:nvPr>
+        </p:nvSpPr>
+        <p:spPr/>
+        <p:txBody>
+          <a:bodyPr/>
+          <a:lstStyle/>
+          <a:p>
+            <a:endParaRPr lang="en-US" dirty="0"/>
+          </a:p>
+        </p:txBody>
+      </p:sp>
+      <p:sp>
+        <p:nvSpPr>
+          <p:cNvPr id="4" name="Slide Number Placeholder 3"/>
+          <p:cNvSpPr>
+            <a:spLocks noGrp="1"/>
+          </p:cNvSpPr>
+          <p:nvPr>
+            <p:ph type="sldNum" sz="quarter" idx="5"/>
+          </p:nvPr>
+        </p:nvSpPr>
+        <p:spPr/>
+        <p:txBody>
+          <a:bodyPr/>
+          <a:lstStyle/>
+          <a:p>
+            <a:fld id="{C83F6DC5-1049-46C3-9CC2-51A933231ED5}" type="slidenum">
+              <a:rPr lang="en-US" smtClean="0"/>
+              <a:t>29</a:t>
+            </a:fld>
+            <a:endParaRPr lang="en-US"/>
+          </a:p>
+        </p:txBody>
+      </p:sp>
+    </p:spTree>
+    <p:extLst>
+      <p:ext uri="{BB962C8B-B14F-4D97-AF65-F5344CB8AC3E}">
+        <p14:creationId xmlns:p14="http://schemas.microsoft.com/office/powerpoint/2010/main" val="1167440925"/>
       </p:ext>
     </p:extLst>
   </p:cSld>
@@ -4192,7 +4277,13 @@
       </p:sp>
       <p:sp>
         <p:nvSpPr>
-          <p:cNvPr id="3" name="Subtitle 2"/>
+          <p:cNvPr id="6" name="Subtitle 2">
+            <a:extLst>
+              <a:ext uri="{FF2B5EF4-FFF2-40B4-BE49-F238E27FC236}">
+                <a16:creationId xmlns:a16="http://schemas.microsoft.com/office/drawing/2014/main" id="{46DA50FB-723B-5630-F5B3-A280AA79FD1B}"/>
+              </a:ext>
+            </a:extLst>
+          </p:cNvPr>
           <p:cNvSpPr>
             <a:spLocks noGrp="1"/>
           </p:cNvSpPr>
@@ -4202,8 +4293,8 @@
         </p:nvSpPr>
         <p:spPr>
           <a:xfrm>
-            <a:off x="1371600" y="4343400"/>
-            <a:ext cx="6400800" cy="1295400"/>
+            <a:off x="1371600" y="4953000"/>
+            <a:ext cx="6400800" cy="838200"/>
           </a:xfrm>
         </p:spPr>
         <p:txBody>
@@ -4212,13 +4303,49 @@
           <a:p>
             <a:r>
               <a:rPr lang="en-US" dirty="0"/>
-              <a:t>David </a:t>
-            </a:r>
-            <a:r>
-              <a:rPr lang="en-US" dirty="0" err="1"/>
-              <a:t>Sackstein</a:t>
-            </a:r>
-            <a:endParaRPr lang="en-US" dirty="0"/>
+              <a:t>David Sackstein</a:t>
+            </a:r>
+          </a:p>
+        </p:txBody>
+      </p:sp>
+      <p:sp>
+        <p:nvSpPr>
+          <p:cNvPr id="7" name="TextBox 6">
+            <a:extLst>
+              <a:ext uri="{FF2B5EF4-FFF2-40B4-BE49-F238E27FC236}">
+                <a16:creationId xmlns:a16="http://schemas.microsoft.com/office/drawing/2014/main" id="{A87ACD94-1831-C93D-F06F-41A36F29DF66}"/>
+              </a:ext>
+            </a:extLst>
+          </p:cNvPr>
+          <p:cNvSpPr txBox="1"/>
+          <p:nvPr/>
+        </p:nvSpPr>
+        <p:spPr>
+          <a:xfrm>
+            <a:off x="3581400" y="5774267"/>
+            <a:ext cx="1905000" cy="369332"/>
+          </a:xfrm>
+          <a:prstGeom prst="rect">
+            <a:avLst/>
+          </a:prstGeom>
+          <a:noFill/>
+        </p:spPr>
+        <p:txBody>
+          <a:bodyPr wrap="square" rtlCol="0">
+            <a:spAutoFit/>
+          </a:bodyPr>
+          <a:lstStyle/>
+          <a:p>
+            <a:r>
+              <a:rPr lang="en-US" dirty="0">
+                <a:solidFill>
+                  <a:schemeClr val="tx1">
+                    <a:tint val="75000"/>
+                  </a:schemeClr>
+                </a:solidFill>
+              </a:rPr>
+              <a:t>All rights reserved</a:t>
+            </a:r>
           </a:p>
         </p:txBody>
       </p:sp>
@@ -4236,232 +4363,6 @@
 </file>
 
 <file path=ppt/slides/slide10.xml><?xml version="1.0" encoding="utf-8"?>
-<p:sld xmlns:a="http://schemas.openxmlformats.org/drawingml/2006/main" xmlns:r="http://schemas.openxmlformats.org/officeDocument/2006/relationships" xmlns:p="http://schemas.openxmlformats.org/presentationml/2006/main">
-  <p:cSld>
-    <p:spTree>
-      <p:nvGrpSpPr>
-        <p:cNvPr id="1" name="">
-          <a:extLst>
-            <a:ext uri="{FF2B5EF4-FFF2-40B4-BE49-F238E27FC236}">
-              <a16:creationId xmlns:a16="http://schemas.microsoft.com/office/drawing/2014/main" id="{D727C966-5E3D-BD5A-CA30-13272CCFF6A0}"/>
-            </a:ext>
-          </a:extLst>
-        </p:cNvPr>
-        <p:cNvGrpSpPr/>
-        <p:nvPr/>
-      </p:nvGrpSpPr>
-      <p:grpSpPr>
-        <a:xfrm>
-          <a:off x="0" y="0"/>
-          <a:ext cx="0" cy="0"/>
-          <a:chOff x="0" y="0"/>
-          <a:chExt cx="0" cy="0"/>
-        </a:xfrm>
-      </p:grpSpPr>
-      <p:sp>
-        <p:nvSpPr>
-          <p:cNvPr id="2" name="Title 1">
-            <a:extLst>
-              <a:ext uri="{FF2B5EF4-FFF2-40B4-BE49-F238E27FC236}">
-                <a16:creationId xmlns:a16="http://schemas.microsoft.com/office/drawing/2014/main" id="{DC7E71A3-133A-CF44-06A5-72828DD6E157}"/>
-              </a:ext>
-            </a:extLst>
-          </p:cNvPr>
-          <p:cNvSpPr>
-            <a:spLocks noGrp="1"/>
-          </p:cNvSpPr>
-          <p:nvPr>
-            <p:ph type="title"/>
-          </p:nvPr>
-        </p:nvSpPr>
-        <p:spPr/>
-        <p:txBody>
-          <a:bodyPr/>
-          <a:lstStyle/>
-          <a:p>
-            <a:r>
-              <a:rPr lang="en-US" dirty="0"/>
-              <a:t>Static Libraries: </a:t>
-            </a:r>
-            <a:r>
-              <a:rPr lang="en-US" dirty="0">
-                <a:solidFill>
-                  <a:schemeClr val="accent3"/>
-                </a:solidFill>
-              </a:rPr>
-              <a:t>Pros</a:t>
-            </a:r>
-            <a:r>
-              <a:rPr lang="en-US" dirty="0"/>
-              <a:t> and </a:t>
-            </a:r>
-            <a:r>
-              <a:rPr lang="en-US" dirty="0">
-                <a:solidFill>
-                  <a:schemeClr val="accent2"/>
-                </a:solidFill>
-              </a:rPr>
-              <a:t>Cons</a:t>
-            </a:r>
-          </a:p>
-        </p:txBody>
-      </p:sp>
-      <p:sp>
-        <p:nvSpPr>
-          <p:cNvPr id="3" name="Content Placeholder 2">
-            <a:extLst>
-              <a:ext uri="{FF2B5EF4-FFF2-40B4-BE49-F238E27FC236}">
-                <a16:creationId xmlns:a16="http://schemas.microsoft.com/office/drawing/2014/main" id="{DF60FA4A-F554-3DD2-9B61-40E9E894D269}"/>
-              </a:ext>
-            </a:extLst>
-          </p:cNvPr>
-          <p:cNvSpPr>
-            <a:spLocks noGrp="1"/>
-          </p:cNvSpPr>
-          <p:nvPr>
-            <p:ph idx="1"/>
-          </p:nvPr>
-        </p:nvSpPr>
-        <p:spPr/>
-        <p:txBody>
-          <a:bodyPr>
-            <a:normAutofit fontScale="92500" lnSpcReduction="20000"/>
-          </a:bodyPr>
-          <a:lstStyle/>
-          <a:p>
-            <a:r>
-              <a:rPr lang="en-US" b="0" i="0" dirty="0">
-                <a:solidFill>
-                  <a:schemeClr val="accent3"/>
-                </a:solidFill>
-                <a:effectLst/>
-                <a:latin typeface="Söhne"/>
-              </a:rPr>
-              <a:t>Pros</a:t>
-            </a:r>
-            <a:endParaRPr lang="en-US" dirty="0">
-              <a:solidFill>
-                <a:schemeClr val="accent1"/>
-              </a:solidFill>
-              <a:latin typeface="Söhne"/>
-            </a:endParaRPr>
-          </a:p>
-          <a:p>
-            <a:pPr lvl="1"/>
-            <a:r>
-              <a:rPr lang="en-US" dirty="0">
-                <a:solidFill>
-                  <a:schemeClr val="accent1"/>
-                </a:solidFill>
-                <a:latin typeface="Söhne"/>
-              </a:rPr>
-              <a:t>Code organization</a:t>
-            </a:r>
-          </a:p>
-          <a:p>
-            <a:pPr lvl="1"/>
-            <a:r>
-              <a:rPr lang="en-US" dirty="0">
-                <a:solidFill>
-                  <a:schemeClr val="accent1"/>
-                </a:solidFill>
-                <a:latin typeface="Söhne"/>
-              </a:rPr>
-              <a:t>Reduced build time</a:t>
-            </a:r>
-          </a:p>
-          <a:p>
-            <a:pPr lvl="1"/>
-            <a:r>
-              <a:rPr lang="en-US" dirty="0">
-                <a:solidFill>
-                  <a:schemeClr val="accent1"/>
-                </a:solidFill>
-                <a:latin typeface="Söhne"/>
-              </a:rPr>
-              <a:t>Hiding implementations from non-IDA-experts</a:t>
-            </a:r>
-          </a:p>
-          <a:p>
-            <a:r>
-              <a:rPr lang="en-US" dirty="0">
-                <a:solidFill>
-                  <a:schemeClr val="accent2"/>
-                </a:solidFill>
-                <a:latin typeface="Söhne"/>
-              </a:rPr>
-              <a:t>Cons</a:t>
-            </a:r>
-          </a:p>
-          <a:p>
-            <a:pPr lvl="1"/>
-            <a:r>
-              <a:rPr lang="en-US" dirty="0">
-                <a:solidFill>
-                  <a:schemeClr val="accent1"/>
-                </a:solidFill>
-                <a:latin typeface="Söhne"/>
-              </a:rPr>
-              <a:t>Dependency requirements leak out of the library.</a:t>
-            </a:r>
-          </a:p>
-          <a:p>
-            <a:pPr lvl="1"/>
-            <a:r>
-              <a:rPr lang="en-US" dirty="0">
-                <a:solidFill>
-                  <a:schemeClr val="accent1"/>
-                </a:solidFill>
-                <a:latin typeface="Söhne"/>
-              </a:rPr>
-              <a:t>All symbols in a static library are exported (no encapsulation)</a:t>
-            </a:r>
-          </a:p>
-          <a:p>
-            <a:pPr lvl="1"/>
-            <a:r>
-              <a:rPr lang="en-US" dirty="0">
-                <a:solidFill>
-                  <a:schemeClr val="accent1"/>
-                </a:solidFill>
-                <a:latin typeface="Söhne"/>
-              </a:rPr>
-              <a:t>Each executable image that uses the library contains its own copy of the library (no savings in disk or memory footprint)</a:t>
-            </a:r>
-          </a:p>
-          <a:p>
-            <a:pPr lvl="1"/>
-            <a:endParaRPr lang="en-US" dirty="0">
-              <a:solidFill>
-                <a:schemeClr val="accent1"/>
-              </a:solidFill>
-              <a:latin typeface="Söhne"/>
-            </a:endParaRPr>
-          </a:p>
-          <a:p>
-            <a:endParaRPr lang="en-US" dirty="0">
-              <a:solidFill>
-                <a:schemeClr val="accent1"/>
-              </a:solidFill>
-              <a:latin typeface="Söhne"/>
-            </a:endParaRPr>
-          </a:p>
-        </p:txBody>
-      </p:sp>
-    </p:spTree>
-    <p:extLst>
-      <p:ext uri="{BB962C8B-B14F-4D97-AF65-F5344CB8AC3E}">
-        <p14:creationId xmlns:p14="http://schemas.microsoft.com/office/powerpoint/2010/main" val="1691397319"/>
-      </p:ext>
-    </p:extLst>
-  </p:cSld>
-  <p:clrMapOvr>
-    <a:masterClrMapping/>
-  </p:clrMapOvr>
-</p:sld>
-</file>
-
-<file path=ppt/slides/slide11.xml><?xml version="1.0" encoding="utf-8"?>
 <p:sld xmlns:a="http://schemas.openxmlformats.org/drawingml/2006/main" xmlns:r="http://schemas.openxmlformats.org/officeDocument/2006/relationships" xmlns:p="http://schemas.openxmlformats.org/presentationml/2006/main">
   <p:cSld>
     <p:spTree>
@@ -4633,7 +4534,7 @@
 </p:sld>
 </file>
 
-<file path=ppt/slides/slide12.xml><?xml version="1.0" encoding="utf-8"?>
+<file path=ppt/slides/slide11.xml><?xml version="1.0" encoding="utf-8"?>
 <p:sld xmlns:a="http://schemas.openxmlformats.org/drawingml/2006/main" xmlns:r="http://schemas.openxmlformats.org/officeDocument/2006/relationships" xmlns:p="http://schemas.openxmlformats.org/presentationml/2006/main">
   <p:cSld>
     <p:spTree>
@@ -4771,7 +4672,7 @@
 </p:sld>
 </file>
 
-<file path=ppt/slides/slide13.xml><?xml version="1.0" encoding="utf-8"?>
+<file path=ppt/slides/slide12.xml><?xml version="1.0" encoding="utf-8"?>
 <p:sld xmlns:a="http://schemas.openxmlformats.org/drawingml/2006/main" xmlns:r="http://schemas.openxmlformats.org/officeDocument/2006/relationships" xmlns:p="http://schemas.openxmlformats.org/presentationml/2006/main">
   <p:cSld>
     <p:spTree>
@@ -4947,7 +4848,7 @@
 </p:sld>
 </file>
 
-<file path=ppt/slides/slide14.xml><?xml version="1.0" encoding="utf-8"?>
+<file path=ppt/slides/slide13.xml><?xml version="1.0" encoding="utf-8"?>
 <p:sld xmlns:a="http://schemas.openxmlformats.org/drawingml/2006/main" xmlns:r="http://schemas.openxmlformats.org/officeDocument/2006/relationships" xmlns:p="http://schemas.openxmlformats.org/presentationml/2006/main">
   <p:cSld>
     <p:spTree>
@@ -5075,7 +4976,7 @@
 </p:sld>
 </file>
 
-<file path=ppt/slides/slide15.xml><?xml version="1.0" encoding="utf-8"?>
+<file path=ppt/slides/slide14.xml><?xml version="1.0" encoding="utf-8"?>
 <p:sld xmlns:a="http://schemas.openxmlformats.org/drawingml/2006/main" xmlns:r="http://schemas.openxmlformats.org/officeDocument/2006/relationships" xmlns:p="http://schemas.openxmlformats.org/presentationml/2006/main">
   <p:cSld>
     <p:spTree>
@@ -5320,7 +5221,7 @@
 </p:sld>
 </file>
 
-<file path=ppt/slides/slide16.xml><?xml version="1.0" encoding="utf-8"?>
+<file path=ppt/slides/slide15.xml><?xml version="1.0" encoding="utf-8"?>
 <p:sld xmlns:a="http://schemas.openxmlformats.org/drawingml/2006/main" xmlns:r="http://schemas.openxmlformats.org/officeDocument/2006/relationships" xmlns:p="http://schemas.openxmlformats.org/presentationml/2006/main">
   <p:cSld>
     <p:spTree>
@@ -5500,7 +5401,7 @@
 </p:sld>
 </file>
 
-<file path=ppt/slides/slide17.xml><?xml version="1.0" encoding="utf-8"?>
+<file path=ppt/slides/slide16.xml><?xml version="1.0" encoding="utf-8"?>
 <p:sld xmlns:a="http://schemas.openxmlformats.org/drawingml/2006/main" xmlns:r="http://schemas.openxmlformats.org/officeDocument/2006/relationships" xmlns:p="http://schemas.openxmlformats.org/presentationml/2006/main">
   <p:cSld>
     <p:spTree>
@@ -5589,20 +5490,12 @@
           </a:p>
           <a:p>
             <a:r>
-              <a:rPr lang="en-US">
-                <a:solidFill>
-                  <a:schemeClr val="accent1"/>
-                </a:solidFill>
-              </a:rPr>
-              <a:t>All data fields </a:t>
-            </a:r>
-            <a:r>
-              <a:rPr lang="en-US" dirty="0">
-                <a:solidFill>
-                  <a:schemeClr val="accent1"/>
-                </a:solidFill>
-              </a:rPr>
-              <a:t>of B (and A) should be private.</a:t>
+              <a:rPr lang="en-US" dirty="0">
+                <a:solidFill>
+                  <a:schemeClr val="accent1"/>
+                </a:solidFill>
+              </a:rPr>
+              <a:t>All data fields of B (and A) should be private.</a:t>
             </a:r>
           </a:p>
           <a:p>
@@ -5712,7 +5605,7 @@
 </p:sld>
 </file>
 
-<file path=ppt/slides/slide18.xml><?xml version="1.0" encoding="utf-8"?>
+<file path=ppt/slides/slide17.xml><?xml version="1.0" encoding="utf-8"?>
 <p:sld xmlns:a="http://schemas.openxmlformats.org/drawingml/2006/main" xmlns:r="http://schemas.openxmlformats.org/officeDocument/2006/relationships" xmlns:p="http://schemas.openxmlformats.org/presentationml/2006/main">
   <p:cSld>
     <p:spTree>
@@ -5964,7 +5857,7 @@
 </p:sld>
 </file>
 
-<file path=ppt/slides/slide19.xml><?xml version="1.0" encoding="utf-8"?>
+<file path=ppt/slides/slide18.xml><?xml version="1.0" encoding="utf-8"?>
 <p:sld xmlns:a="http://schemas.openxmlformats.org/drawingml/2006/main" xmlns:r="http://schemas.openxmlformats.org/officeDocument/2006/relationships" xmlns:p="http://schemas.openxmlformats.org/presentationml/2006/main">
   <p:cSld>
     <p:spTree>
@@ -6192,18 +6085,12 @@
 </p:sld>
 </file>
 
-<file path=ppt/slides/slide2.xml><?xml version="1.0" encoding="utf-8"?>
+<file path=ppt/slides/slide19.xml><?xml version="1.0" encoding="utf-8"?>
 <p:sld xmlns:a="http://schemas.openxmlformats.org/drawingml/2006/main" xmlns:r="http://schemas.openxmlformats.org/officeDocument/2006/relationships" xmlns:p="http://schemas.openxmlformats.org/presentationml/2006/main">
   <p:cSld>
     <p:spTree>
       <p:nvGrpSpPr>
-        <p:cNvPr id="1" name="">
-          <a:extLst>
-            <a:ext uri="{FF2B5EF4-FFF2-40B4-BE49-F238E27FC236}">
-              <a16:creationId xmlns:a16="http://schemas.microsoft.com/office/drawing/2014/main" id="{7AED5A19-FE53-1454-2EE1-3C5DC32F1586}"/>
-            </a:ext>
-          </a:extLst>
-        </p:cNvPr>
+        <p:cNvPr id="1" name=""/>
         <p:cNvGrpSpPr/>
         <p:nvPr/>
       </p:nvGrpSpPr>
@@ -6215,15 +6102,122 @@
           <a:chExt cx="0" cy="0"/>
         </a:xfrm>
       </p:grpSpPr>
-      <p:sp>
-        <p:nvSpPr>
-          <p:cNvPr id="2" name="Title 1">
+      <p:pic>
+        <p:nvPicPr>
+          <p:cNvPr id="7" name="Picture 6">
             <a:extLst>
               <a:ext uri="{FF2B5EF4-FFF2-40B4-BE49-F238E27FC236}">
-                <a16:creationId xmlns:a16="http://schemas.microsoft.com/office/drawing/2014/main" id="{B7A72344-6934-D034-AD22-4951CB243856}"/>
+                <a16:creationId xmlns:a16="http://schemas.microsoft.com/office/drawing/2014/main" id="{B616B646-A6AA-DA9B-8881-0B6E2A8D0278}"/>
               </a:ext>
             </a:extLst>
           </p:cNvPr>
+          <p:cNvPicPr>
+            <a:picLocks noChangeAspect="1"/>
+          </p:cNvPicPr>
+          <p:nvPr/>
+        </p:nvPicPr>
+        <p:blipFill>
+          <a:blip r:embed="rId2"/>
+          <a:stretch>
+            <a:fillRect/>
+          </a:stretch>
+        </p:blipFill>
+        <p:spPr>
+          <a:xfrm>
+            <a:off x="457200" y="762000"/>
+            <a:ext cx="6553200" cy="5793029"/>
+          </a:xfrm>
+          <a:prstGeom prst="rect">
+            <a:avLst/>
+          </a:prstGeom>
+          <a:ln w="6350">
+            <a:solidFill>
+              <a:schemeClr val="accent1"/>
+            </a:solidFill>
+          </a:ln>
+        </p:spPr>
+      </p:pic>
+      <p:sp>
+        <p:nvSpPr>
+          <p:cNvPr id="8" name="TextBox 7">
+            <a:extLst>
+              <a:ext uri="{FF2B5EF4-FFF2-40B4-BE49-F238E27FC236}">
+                <a16:creationId xmlns:a16="http://schemas.microsoft.com/office/drawing/2014/main" id="{B1FF68DA-AEF3-996D-F5B1-5B25477B3BF7}"/>
+              </a:ext>
+            </a:extLst>
+          </p:cNvPr>
+          <p:cNvSpPr txBox="1"/>
+          <p:nvPr/>
+        </p:nvSpPr>
+        <p:spPr>
+          <a:xfrm>
+            <a:off x="381000" y="152400"/>
+            <a:ext cx="8305800" cy="461665"/>
+          </a:xfrm>
+          <a:prstGeom prst="rect">
+            <a:avLst/>
+          </a:prstGeom>
+          <a:noFill/>
+        </p:spPr>
+        <p:txBody>
+          <a:bodyPr wrap="square" rtlCol="0">
+            <a:spAutoFit/>
+          </a:bodyPr>
+          <a:lstStyle/>
+          <a:p>
+            <a:r>
+              <a:rPr lang="en-US" sz="2400" dirty="0"/>
+              <a:t>Using </a:t>
+            </a:r>
+            <a:r>
+              <a:rPr lang="en-US" sz="2400" dirty="0" err="1"/>
+              <a:t>pimpl</a:t>
+            </a:r>
+            <a:r>
+              <a:rPr lang="en-US" sz="2400" dirty="0"/>
+              <a:t> there is no need to include </a:t>
+            </a:r>
+            <a:r>
+              <a:rPr lang="en-US" sz="2400" dirty="0" err="1"/>
+              <a:t>Logger.h</a:t>
+            </a:r>
+            <a:endParaRPr lang="en-US" sz="2400" dirty="0"/>
+          </a:p>
+        </p:txBody>
+      </p:sp>
+    </p:spTree>
+    <p:extLst>
+      <p:ext uri="{BB962C8B-B14F-4D97-AF65-F5344CB8AC3E}">
+        <p14:creationId xmlns:p14="http://schemas.microsoft.com/office/powerpoint/2010/main" val="3233726831"/>
+      </p:ext>
+    </p:extLst>
+  </p:cSld>
+  <p:clrMapOvr>
+    <a:masterClrMapping/>
+  </p:clrMapOvr>
+</p:sld>
+</file>
+
+<file path=ppt/slides/slide2.xml><?xml version="1.0" encoding="utf-8"?>
+<p:sld xmlns:a="http://schemas.openxmlformats.org/drawingml/2006/main" xmlns:r="http://schemas.openxmlformats.org/officeDocument/2006/relationships" xmlns:p="http://schemas.openxmlformats.org/presentationml/2006/main">
+  <p:cSld>
+    <p:spTree>
+      <p:nvGrpSpPr>
+        <p:cNvPr id="1" name=""/>
+        <p:cNvGrpSpPr/>
+        <p:nvPr/>
+      </p:nvGrpSpPr>
+      <p:grpSpPr>
+        <a:xfrm>
+          <a:off x="0" y="0"/>
+          <a:ext cx="0" cy="0"/>
+          <a:chOff x="0" y="0"/>
+          <a:chExt cx="0" cy="0"/>
+        </a:xfrm>
+      </p:grpSpPr>
+      <p:sp>
+        <p:nvSpPr>
+          <p:cNvPr id="2" name="Title 1"/>
           <p:cNvSpPr>
             <a:spLocks noGrp="1"/>
           </p:cNvSpPr>
@@ -6243,20 +6237,14 @@
           <a:p>
             <a:r>
               <a:rPr lang="en-US" dirty="0"/>
-              <a:t>Overview</a:t>
-            </a:r>
-          </a:p>
-        </p:txBody>
-      </p:sp>
-      <p:sp>
-        <p:nvSpPr>
-          <p:cNvPr id="3" name="Content Placeholder 2">
-            <a:extLst>
-              <a:ext uri="{FF2B5EF4-FFF2-40B4-BE49-F238E27FC236}">
-                <a16:creationId xmlns:a16="http://schemas.microsoft.com/office/drawing/2014/main" id="{4D362DE4-7662-C722-9096-1804E6A50F60}"/>
-              </a:ext>
-            </a:extLst>
-          </p:cNvPr>
+              <a:t>Agenda</a:t>
+            </a:r>
+          </a:p>
+        </p:txBody>
+      </p:sp>
+      <p:sp>
+        <p:nvSpPr>
+          <p:cNvPr id="3" name="Content Placeholder 2"/>
           <p:cNvSpPr>
             <a:spLocks noGrp="1"/>
           </p:cNvSpPr>
@@ -6272,53 +6260,179 @@
         </p:spPr>
         <p:txBody>
           <a:bodyPr>
-            <a:normAutofit fontScale="70000" lnSpcReduction="20000"/>
+            <a:normAutofit fontScale="85000" lnSpcReduction="20000"/>
           </a:bodyPr>
           <a:lstStyle/>
           <a:p>
             <a:r>
-              <a:rPr lang="en-US" dirty="0"/>
-              <a:t>One of the conclusions from Modules 1 and 2 is that by decoupling the pieces of our software we gain testability, maintainability and extensibility. </a:t>
-            </a:r>
-          </a:p>
-          <a:p>
-            <a:r>
-              <a:rPr lang="en-US" dirty="0"/>
-              <a:t>So decoupling is essential.</a:t>
-            </a:r>
-          </a:p>
-          <a:p>
-            <a:r>
-              <a:rPr lang="en-US" dirty="0"/>
-              <a:t>This module covers the techniques we can use to achieve decoupling at different stages of the development cycle: design, compilation, linking and even at run time.</a:t>
-            </a:r>
-          </a:p>
-          <a:p>
-            <a:r>
-              <a:rPr lang="en-US" dirty="0"/>
-              <a:t>The examples will demonstrate some of the simple techniques that </a:t>
-            </a:r>
-            <a:r>
-              <a:rPr lang="en-US" sz="3100" dirty="0"/>
-              <a:t>we can use: Programming by interface, header organization, the pimpl </a:t>
-            </a:r>
-            <a:r>
-              <a:rPr lang="en-US" dirty="0"/>
-              <a:t>idiom and interfaces. We will also learn about shared objects, dynamic linking and dynamic loading.</a:t>
-            </a:r>
-          </a:p>
-          <a:p>
-            <a:r>
-              <a:rPr lang="en-US" dirty="0"/>
-              <a:t>The last example will use shared objects to demonstrate how decoupling enables partial software updates in the field and even the modification of the system at run time using plugins.</a:t>
-            </a:r>
+              <a:rPr lang="en-US" dirty="0">
+                <a:solidFill>
+                  <a:schemeClr val="accent1"/>
+                </a:solidFill>
+              </a:rPr>
+              <a:t>Coupling: The butterfly effect</a:t>
+            </a:r>
+          </a:p>
+          <a:p>
+            <a:r>
+              <a:rPr lang="en-US" dirty="0">
+                <a:solidFill>
+                  <a:schemeClr val="accent1"/>
+                </a:solidFill>
+              </a:rPr>
+              <a:t>Compiler, Linker and Loader</a:t>
+            </a:r>
+          </a:p>
+          <a:p>
+            <a:r>
+              <a:rPr lang="en-US" dirty="0">
+                <a:solidFill>
+                  <a:schemeClr val="accent1"/>
+                </a:solidFill>
+              </a:rPr>
+              <a:t>Libraries: static, shared objects, </a:t>
+            </a:r>
+            <a:r>
+              <a:rPr lang="en-US" dirty="0" err="1">
+                <a:solidFill>
+                  <a:schemeClr val="accent1"/>
+                </a:solidFill>
+              </a:rPr>
+              <a:t>dlls</a:t>
+            </a:r>
+            <a:endParaRPr lang="en-US" dirty="0">
+              <a:solidFill>
+                <a:schemeClr val="accent1"/>
+              </a:solidFill>
+            </a:endParaRPr>
+          </a:p>
+          <a:p>
+            <a:r>
+              <a:rPr lang="en-US" dirty="0">
+                <a:solidFill>
+                  <a:schemeClr val="accent1"/>
+                </a:solidFill>
+              </a:rPr>
+              <a:t>Techniques to reduce coupling</a:t>
+            </a:r>
+          </a:p>
+          <a:p>
+            <a:pPr lvl="1"/>
+            <a:r>
+              <a:rPr lang="en-US" dirty="0">
+                <a:solidFill>
+                  <a:schemeClr val="accent1"/>
+                </a:solidFill>
+              </a:rPr>
+              <a:t>Single Responsibility</a:t>
+            </a:r>
+          </a:p>
+          <a:p>
+            <a:pPr lvl="1"/>
+            <a:r>
+              <a:rPr lang="en-US" dirty="0">
+                <a:solidFill>
+                  <a:schemeClr val="accent1"/>
+                </a:solidFill>
+              </a:rPr>
+              <a:t>Programming to an API (limit visibility)</a:t>
+            </a:r>
+          </a:p>
+          <a:p>
+            <a:pPr lvl="1"/>
+            <a:r>
+              <a:rPr lang="en-US" dirty="0">
+                <a:solidFill>
+                  <a:schemeClr val="accent1"/>
+                </a:solidFill>
+              </a:rPr>
+              <a:t>Prefer Composition over Inheritance</a:t>
+            </a:r>
+          </a:p>
+          <a:p>
+            <a:pPr lvl="1"/>
+            <a:r>
+              <a:rPr lang="en-US" dirty="0">
+                <a:solidFill>
+                  <a:schemeClr val="accent1"/>
+                </a:solidFill>
+              </a:rPr>
+              <a:t>The </a:t>
+            </a:r>
+            <a:r>
+              <a:rPr lang="en-US" dirty="0" err="1">
+                <a:solidFill>
+                  <a:schemeClr val="accent1"/>
+                </a:solidFill>
+              </a:rPr>
+              <a:t>pimpl</a:t>
+            </a:r>
+            <a:r>
+              <a:rPr lang="en-US" dirty="0">
+                <a:solidFill>
+                  <a:schemeClr val="accent1"/>
+                </a:solidFill>
+              </a:rPr>
+              <a:t> idiom</a:t>
+            </a:r>
+          </a:p>
+          <a:p>
+            <a:pPr lvl="1"/>
+            <a:r>
+              <a:rPr lang="en-US" dirty="0">
+                <a:solidFill>
+                  <a:schemeClr val="accent1"/>
+                </a:solidFill>
+              </a:rPr>
+              <a:t>Using interfaces</a:t>
+            </a:r>
+          </a:p>
+          <a:p>
+            <a:pPr lvl="1"/>
+            <a:r>
+              <a:rPr lang="en-US" dirty="0">
+                <a:solidFill>
+                  <a:schemeClr val="accent1"/>
+                </a:solidFill>
+              </a:rPr>
+              <a:t>Dynamic linking</a:t>
+            </a:r>
+          </a:p>
+          <a:p>
+            <a:pPr lvl="1"/>
+            <a:r>
+              <a:rPr lang="en-US" dirty="0">
+                <a:solidFill>
+                  <a:schemeClr val="accent1"/>
+                </a:solidFill>
+              </a:rPr>
+              <a:t>Dynamic loading and plugins</a:t>
+            </a:r>
+          </a:p>
+          <a:p>
+            <a:pPr lvl="1"/>
+            <a:endParaRPr lang="en-US" dirty="0"/>
+          </a:p>
+          <a:p>
+            <a:pPr lvl="1"/>
+            <a:endParaRPr lang="en-US" dirty="0"/>
+          </a:p>
+          <a:p>
+            <a:pPr lvl="1"/>
+            <a:endParaRPr lang="en-US" dirty="0"/>
+          </a:p>
+          <a:p>
+            <a:endParaRPr lang="en-US" dirty="0"/>
+          </a:p>
+          <a:p>
+            <a:endParaRPr lang="en-US" dirty="0"/>
           </a:p>
         </p:txBody>
       </p:sp>
     </p:spTree>
     <p:extLst>
       <p:ext uri="{BB962C8B-B14F-4D97-AF65-F5344CB8AC3E}">
-        <p14:creationId xmlns:p14="http://schemas.microsoft.com/office/powerpoint/2010/main" val="2382945803"/>
+        <p14:creationId xmlns:p14="http://schemas.microsoft.com/office/powerpoint/2010/main" val="3564365611"/>
       </p:ext>
     </p:extLst>
   </p:cSld>
@@ -6694,6 +6808,108 @@
         <p:cNvPr id="1" name="">
           <a:extLst>
             <a:ext uri="{FF2B5EF4-FFF2-40B4-BE49-F238E27FC236}">
+              <a16:creationId xmlns:a16="http://schemas.microsoft.com/office/drawing/2014/main" id="{353090F2-B1EC-0DEE-626B-A1A65CCFFBA4}"/>
+            </a:ext>
+          </a:extLst>
+        </p:cNvPr>
+        <p:cNvGrpSpPr/>
+        <p:nvPr/>
+      </p:nvGrpSpPr>
+      <p:grpSpPr>
+        <a:xfrm>
+          <a:off x="0" y="0"/>
+          <a:ext cx="0" cy="0"/>
+          <a:chOff x="0" y="0"/>
+          <a:chExt cx="0" cy="0"/>
+        </a:xfrm>
+      </p:grpSpPr>
+      <p:sp>
+        <p:nvSpPr>
+          <p:cNvPr id="4" name="Title 3">
+            <a:extLst>
+              <a:ext uri="{FF2B5EF4-FFF2-40B4-BE49-F238E27FC236}">
+                <a16:creationId xmlns:a16="http://schemas.microsoft.com/office/drawing/2014/main" id="{8D6B32F6-825E-0801-1F00-711B345EDB1C}"/>
+              </a:ext>
+            </a:extLst>
+          </p:cNvPr>
+          <p:cNvSpPr>
+            <a:spLocks noGrp="1"/>
+          </p:cNvSpPr>
+          <p:nvPr>
+            <p:ph type="title"/>
+          </p:nvPr>
+        </p:nvSpPr>
+        <p:spPr/>
+        <p:txBody>
+          <a:bodyPr/>
+          <a:lstStyle/>
+          <a:p>
+            <a:r>
+              <a:rPr lang="en-US" dirty="0"/>
+              <a:t>The </a:t>
+            </a:r>
+            <a:r>
+              <a:rPr lang="en-US" dirty="0" err="1"/>
+              <a:t>ILogger</a:t>
+            </a:r>
+            <a:r>
+              <a:rPr lang="en-US" dirty="0"/>
+              <a:t> Interface</a:t>
+            </a:r>
+          </a:p>
+        </p:txBody>
+      </p:sp>
+      <p:pic>
+        <p:nvPicPr>
+          <p:cNvPr id="6" name="Picture 5">
+            <a:extLst>
+              <a:ext uri="{FF2B5EF4-FFF2-40B4-BE49-F238E27FC236}">
+                <a16:creationId xmlns:a16="http://schemas.microsoft.com/office/drawing/2014/main" id="{662E70F6-9AD1-5A35-987B-8A1C157971F3}"/>
+              </a:ext>
+            </a:extLst>
+          </p:cNvPr>
+          <p:cNvPicPr>
+            <a:picLocks noChangeAspect="1"/>
+          </p:cNvPicPr>
+          <p:nvPr/>
+        </p:nvPicPr>
+        <p:blipFill>
+          <a:blip r:embed="rId2"/>
+          <a:stretch>
+            <a:fillRect/>
+          </a:stretch>
+        </p:blipFill>
+        <p:spPr>
+          <a:xfrm>
+            <a:off x="349348" y="1828800"/>
+            <a:ext cx="8261251" cy="4419600"/>
+          </a:xfrm>
+          <a:prstGeom prst="rect">
+            <a:avLst/>
+          </a:prstGeom>
+        </p:spPr>
+      </p:pic>
+    </p:spTree>
+    <p:extLst>
+      <p:ext uri="{BB962C8B-B14F-4D97-AF65-F5344CB8AC3E}">
+        <p14:creationId xmlns:p14="http://schemas.microsoft.com/office/powerpoint/2010/main" val="156217564"/>
+      </p:ext>
+    </p:extLst>
+  </p:cSld>
+  <p:clrMapOvr>
+    <a:masterClrMapping/>
+  </p:clrMapOvr>
+</p:sld>
+</file>
+
+<file path=ppt/slides/slide23.xml><?xml version="1.0" encoding="utf-8"?>
+<p:sld xmlns:a="http://schemas.openxmlformats.org/drawingml/2006/main" xmlns:r="http://schemas.openxmlformats.org/officeDocument/2006/relationships" xmlns:p="http://schemas.openxmlformats.org/presentationml/2006/main">
+  <p:cSld>
+    <p:spTree>
+      <p:nvGrpSpPr>
+        <p:cNvPr id="1" name="">
+          <a:extLst>
+            <a:ext uri="{FF2B5EF4-FFF2-40B4-BE49-F238E27FC236}">
               <a16:creationId xmlns:a16="http://schemas.microsoft.com/office/drawing/2014/main" id="{01B2C7F9-1164-6FE3-DA70-2103EC213CF0}"/>
             </a:ext>
           </a:extLst>
@@ -6873,7 +7089,7 @@
 </p:sld>
 </file>
 
-<file path=ppt/slides/slide23.xml><?xml version="1.0" encoding="utf-8"?>
+<file path=ppt/slides/slide24.xml><?xml version="1.0" encoding="utf-8"?>
 <p:sld xmlns:a="http://schemas.openxmlformats.org/drawingml/2006/main" xmlns:r="http://schemas.openxmlformats.org/officeDocument/2006/relationships" xmlns:p="http://schemas.openxmlformats.org/presentationml/2006/main">
   <p:cSld>
     <p:spTree>
@@ -7023,7 +7239,7 @@
 </p:sld>
 </file>
 
-<file path=ppt/slides/slide24.xml><?xml version="1.0" encoding="utf-8"?>
+<file path=ppt/slides/slide25.xml><?xml version="1.0" encoding="utf-8"?>
 <p:sld xmlns:a="http://schemas.openxmlformats.org/drawingml/2006/main" xmlns:r="http://schemas.openxmlformats.org/officeDocument/2006/relationships" xmlns:p="http://schemas.openxmlformats.org/presentationml/2006/main">
   <p:cSld>
     <p:spTree>
@@ -7239,7 +7455,7 @@
 </p:sld>
 </file>
 
-<file path=ppt/slides/slide25.xml><?xml version="1.0" encoding="utf-8"?>
+<file path=ppt/slides/slide26.xml><?xml version="1.0" encoding="utf-8"?>
 <p:sld xmlns:a="http://schemas.openxmlformats.org/drawingml/2006/main" xmlns:r="http://schemas.openxmlformats.org/officeDocument/2006/relationships" xmlns:p="http://schemas.openxmlformats.org/presentationml/2006/main">
   <p:cSld>
     <p:spTree>
@@ -7333,106 +7549,6 @@
 </p:sld>
 </file>
 
-<file path=ppt/slides/slide26.xml><?xml version="1.0" encoding="utf-8"?>
-<p:sld xmlns:a="http://schemas.openxmlformats.org/drawingml/2006/main" xmlns:r="http://schemas.openxmlformats.org/officeDocument/2006/relationships" xmlns:p="http://schemas.openxmlformats.org/presentationml/2006/main">
-  <p:cSld>
-    <p:spTree>
-      <p:nvGrpSpPr>
-        <p:cNvPr id="1" name=""/>
-        <p:cNvGrpSpPr/>
-        <p:nvPr/>
-      </p:nvGrpSpPr>
-      <p:grpSpPr>
-        <a:xfrm>
-          <a:off x="0" y="0"/>
-          <a:ext cx="0" cy="0"/>
-          <a:chOff x="0" y="0"/>
-          <a:chExt cx="0" cy="0"/>
-        </a:xfrm>
-      </p:grpSpPr>
-      <p:sp>
-        <p:nvSpPr>
-          <p:cNvPr id="2" name="Title 1"/>
-          <p:cNvSpPr>
-            <a:spLocks noGrp="1"/>
-          </p:cNvSpPr>
-          <p:nvPr>
-            <p:ph type="title"/>
-          </p:nvPr>
-        </p:nvSpPr>
-        <p:spPr/>
-        <p:txBody>
-          <a:bodyPr/>
-          <a:lstStyle/>
-          <a:p>
-            <a:r>
-              <a:rPr lang="en-US" dirty="0"/>
-              <a:t>Dynamic Linking vs Loading</a:t>
-            </a:r>
-          </a:p>
-        </p:txBody>
-      </p:sp>
-      <p:sp>
-        <p:nvSpPr>
-          <p:cNvPr id="3" name="Content Placeholder 2"/>
-          <p:cNvSpPr>
-            <a:spLocks noGrp="1"/>
-          </p:cNvSpPr>
-          <p:nvPr>
-            <p:ph idx="1"/>
-          </p:nvPr>
-        </p:nvSpPr>
-        <p:spPr/>
-        <p:txBody>
-          <a:bodyPr>
-            <a:normAutofit fontScale="92500" lnSpcReduction="10000"/>
-          </a:bodyPr>
-          <a:lstStyle/>
-          <a:p>
-            <a:r>
-              <a:rPr lang="en-US" dirty="0">
-                <a:solidFill>
-                  <a:schemeClr val="accent1"/>
-                </a:solidFill>
-              </a:rPr>
-              <a:t>Dynamic linking requires that the DLL or shared object be present when the program loads. On the other hand, dynamic loading is done programmatically and can avoid loading the library if it is not present (useful for plugins and dependency injection).</a:t>
-            </a:r>
-          </a:p>
-          <a:p>
-            <a:r>
-              <a:rPr lang="en-US" dirty="0">
-                <a:solidFill>
-                  <a:schemeClr val="accent1"/>
-                </a:solidFill>
-              </a:rPr>
-              <a:t>However, dynamic linking requires specialized code to load and link symbols so it is a little more work.</a:t>
-            </a:r>
-          </a:p>
-          <a:p>
-            <a:r>
-              <a:rPr lang="en-US" dirty="0">
-                <a:solidFill>
-                  <a:schemeClr val="accent1"/>
-                </a:solidFill>
-              </a:rPr>
-              <a:t>Use of dynamic loading is rare. </a:t>
-            </a:r>
-          </a:p>
-        </p:txBody>
-      </p:sp>
-    </p:spTree>
-    <p:extLst>
-      <p:ext uri="{BB962C8B-B14F-4D97-AF65-F5344CB8AC3E}">
-        <p14:creationId xmlns:p14="http://schemas.microsoft.com/office/powerpoint/2010/main" val="2108904161"/>
-      </p:ext>
-    </p:extLst>
-  </p:cSld>
-  <p:clrMapOvr>
-    <a:masterClrMapping/>
-  </p:clrMapOvr>
-</p:sld>
-</file>
-
 <file path=ppt/slides/slide27.xml><?xml version="1.0" encoding="utf-8"?>
 <p:sld xmlns:a="http://schemas.openxmlformats.org/drawingml/2006/main" xmlns:r="http://schemas.openxmlformats.org/officeDocument/2006/relationships" xmlns:p="http://schemas.openxmlformats.org/presentationml/2006/main">
   <p:cSld>
@@ -7460,6 +7576,106 @@
             <p:ph type="title"/>
           </p:nvPr>
         </p:nvSpPr>
+        <p:spPr/>
+        <p:txBody>
+          <a:bodyPr/>
+          <a:lstStyle/>
+          <a:p>
+            <a:r>
+              <a:rPr lang="en-US" dirty="0"/>
+              <a:t>Dynamic Linking vs Loading</a:t>
+            </a:r>
+          </a:p>
+        </p:txBody>
+      </p:sp>
+      <p:sp>
+        <p:nvSpPr>
+          <p:cNvPr id="3" name="Content Placeholder 2"/>
+          <p:cNvSpPr>
+            <a:spLocks noGrp="1"/>
+          </p:cNvSpPr>
+          <p:nvPr>
+            <p:ph idx="1"/>
+          </p:nvPr>
+        </p:nvSpPr>
+        <p:spPr/>
+        <p:txBody>
+          <a:bodyPr>
+            <a:normAutofit fontScale="92500" lnSpcReduction="10000"/>
+          </a:bodyPr>
+          <a:lstStyle/>
+          <a:p>
+            <a:r>
+              <a:rPr lang="en-US" dirty="0">
+                <a:solidFill>
+                  <a:schemeClr val="accent1"/>
+                </a:solidFill>
+              </a:rPr>
+              <a:t>Dynamic linking requires that the DLL or shared object be present when the program loads. On the other hand, dynamic loading is done programmatically and can avoid loading the library if it is not present (useful for plugins and dependency injection).</a:t>
+            </a:r>
+          </a:p>
+          <a:p>
+            <a:r>
+              <a:rPr lang="en-US" dirty="0">
+                <a:solidFill>
+                  <a:schemeClr val="accent1"/>
+                </a:solidFill>
+              </a:rPr>
+              <a:t>However, dynamic linking requires specialized code to load and link symbols so it is a little more work.</a:t>
+            </a:r>
+          </a:p>
+          <a:p>
+            <a:r>
+              <a:rPr lang="en-US" dirty="0">
+                <a:solidFill>
+                  <a:schemeClr val="accent1"/>
+                </a:solidFill>
+              </a:rPr>
+              <a:t>Use of dynamic loading is rare. </a:t>
+            </a:r>
+          </a:p>
+        </p:txBody>
+      </p:sp>
+    </p:spTree>
+    <p:extLst>
+      <p:ext uri="{BB962C8B-B14F-4D97-AF65-F5344CB8AC3E}">
+        <p14:creationId xmlns:p14="http://schemas.microsoft.com/office/powerpoint/2010/main" val="2108904161"/>
+      </p:ext>
+    </p:extLst>
+  </p:cSld>
+  <p:clrMapOvr>
+    <a:masterClrMapping/>
+  </p:clrMapOvr>
+</p:sld>
+</file>
+
+<file path=ppt/slides/slide28.xml><?xml version="1.0" encoding="utf-8"?>
+<p:sld xmlns:a="http://schemas.openxmlformats.org/drawingml/2006/main" xmlns:r="http://schemas.openxmlformats.org/officeDocument/2006/relationships" xmlns:p="http://schemas.openxmlformats.org/presentationml/2006/main">
+  <p:cSld>
+    <p:spTree>
+      <p:nvGrpSpPr>
+        <p:cNvPr id="1" name=""/>
+        <p:cNvGrpSpPr/>
+        <p:nvPr/>
+      </p:nvGrpSpPr>
+      <p:grpSpPr>
+        <a:xfrm>
+          <a:off x="0" y="0"/>
+          <a:ext cx="0" cy="0"/>
+          <a:chOff x="0" y="0"/>
+          <a:chExt cx="0" cy="0"/>
+        </a:xfrm>
+      </p:grpSpPr>
+      <p:sp>
+        <p:nvSpPr>
+          <p:cNvPr id="2" name="Title 1"/>
+          <p:cNvSpPr>
+            <a:spLocks noGrp="1"/>
+          </p:cNvSpPr>
+          <p:nvPr>
+            <p:ph type="title"/>
+          </p:nvPr>
+        </p:nvSpPr>
         <p:spPr>
           <a:xfrm>
             <a:off x="457200" y="274638"/>
@@ -7594,7 +7810,7 @@
 </p:sld>
 </file>
 
-<file path=ppt/slides/slide28.xml><?xml version="1.0" encoding="utf-8"?>
+<file path=ppt/slides/slide29.xml><?xml version="1.0" encoding="utf-8"?>
 <p:sld xmlns:a="http://schemas.openxmlformats.org/drawingml/2006/main" xmlns:r="http://schemas.openxmlformats.org/officeDocument/2006/relationships" xmlns:p="http://schemas.openxmlformats.org/presentationml/2006/main">
   <p:cSld>
     <p:spTree>
@@ -7666,14 +7882,14 @@
             <p:ph idx="1"/>
             <p:extLst>
               <p:ext uri="{D42A27DB-BD31-4B8C-83A1-F6EECF244321}">
-                <p14:modId xmlns:p14="http://schemas.microsoft.com/office/powerpoint/2010/main" val="3622371976"/>
+                <p14:modId xmlns:p14="http://schemas.microsoft.com/office/powerpoint/2010/main" val="552082511"/>
               </p:ext>
             </p:extLst>
           </p:nvPr>
         </p:nvGraphicFramePr>
         <p:xfrm>
           <a:off x="457200" y="1600200"/>
-          <a:ext cx="8229600" cy="4480560"/>
+          <a:ext cx="8229600" cy="4663440"/>
         </p:xfrm>
         <a:graphic>
           <a:graphicData uri="http://schemas.openxmlformats.org/drawingml/2006/table">
@@ -7682,14 +7898,14 @@
                 <a:tableStyleId>{46F890A9-2807-4EBB-B81D-B2AA78EC7F39}</a:tableStyleId>
               </a:tblPr>
               <a:tblGrid>
-                <a:gridCol w="2286000">
+                <a:gridCol w="2209800">
                   <a:extLst>
                     <a:ext uri="{9D8B030D-6E8A-4147-A177-3AD203B41FA5}">
                       <a16:colId xmlns:a16="http://schemas.microsoft.com/office/drawing/2014/main" val="2828882500"/>
                     </a:ext>
                   </a:extLst>
                 </a:gridCol>
-                <a:gridCol w="5943600">
+                <a:gridCol w="6019800">
                   <a:extLst>
                     <a:ext uri="{9D8B030D-6E8A-4147-A177-3AD203B41FA5}">
                       <a16:colId xmlns:a16="http://schemas.microsoft.com/office/drawing/2014/main" val="2512347793"/>
@@ -7727,7 +7943,9 @@
                       <a:r>
                         <a:rPr lang="en-US" sz="2400" kern="1200" dirty="0">
                           <a:solidFill>
-                            <a:schemeClr val="tx2"/>
+                            <a:schemeClr val="accent3">
+                              <a:lumMod val="75000"/>
+                            </a:schemeClr>
                           </a:solidFill>
                           <a:latin typeface="+mn-lt"/>
                           <a:ea typeface="+mn-ea"/>
@@ -7786,7 +8004,9 @@
                       <a:r>
                         <a:rPr lang="en-US" sz="2400" kern="1200" dirty="0">
                           <a:solidFill>
-                            <a:schemeClr val="tx2"/>
+                            <a:schemeClr val="accent3">
+                              <a:lumMod val="75000"/>
+                            </a:schemeClr>
                           </a:solidFill>
                           <a:latin typeface="+mn-lt"/>
                           <a:ea typeface="+mn-ea"/>
@@ -7834,7 +8054,9 @@
                       <a:r>
                         <a:rPr lang="en-US" sz="2400" kern="1200" dirty="0">
                           <a:solidFill>
-                            <a:schemeClr val="tx2"/>
+                            <a:schemeClr val="accent3">
+                              <a:lumMod val="75000"/>
+                            </a:schemeClr>
                           </a:solidFill>
                           <a:latin typeface="+mn-lt"/>
                           <a:ea typeface="+mn-ea"/>
@@ -7882,7 +8104,9 @@
                       <a:r>
                         <a:rPr lang="en-US" sz="2400" kern="1200" dirty="0">
                           <a:solidFill>
-                            <a:schemeClr val="tx2"/>
+                            <a:schemeClr val="accent3">
+                              <a:lumMod val="75000"/>
+                            </a:schemeClr>
                           </a:solidFill>
                           <a:latin typeface="+mn-lt"/>
                           <a:ea typeface="+mn-ea"/>
@@ -7893,7 +8117,9 @@
                       <a:r>
                         <a:rPr lang="en-US" sz="2400" kern="1200" dirty="0" err="1">
                           <a:solidFill>
-                            <a:schemeClr val="tx2"/>
+                            <a:schemeClr val="accent3">
+                              <a:lumMod val="75000"/>
+                            </a:schemeClr>
                           </a:solidFill>
                           <a:latin typeface="+mn-lt"/>
                           <a:ea typeface="+mn-ea"/>
@@ -7903,7 +8129,9 @@
                       </a:r>
                       <a:endParaRPr lang="en-US" sz="2400" kern="1200" dirty="0">
                         <a:solidFill>
-                          <a:schemeClr val="tx2"/>
+                          <a:schemeClr val="accent3">
+                            <a:lumMod val="75000"/>
+                          </a:schemeClr>
                         </a:solidFill>
                         <a:latin typeface="+mn-lt"/>
                         <a:ea typeface="+mn-ea"/>
@@ -7965,7 +8193,9 @@
                       <a:r>
                         <a:rPr lang="en-US" sz="2400" kern="1200" dirty="0">
                           <a:solidFill>
-                            <a:schemeClr val="tx2"/>
+                            <a:schemeClr val="accent3">
+                              <a:lumMod val="75000"/>
+                            </a:schemeClr>
                           </a:solidFill>
                           <a:latin typeface="+mn-lt"/>
                           <a:ea typeface="+mn-ea"/>
@@ -8029,7 +8259,9 @@
                       <a:r>
                         <a:rPr lang="en-US" sz="2400" kern="1200" dirty="0">
                           <a:solidFill>
-                            <a:schemeClr val="tx2"/>
+                            <a:schemeClr val="accent3">
+                              <a:lumMod val="75000"/>
+                            </a:schemeClr>
                           </a:solidFill>
                           <a:latin typeface="+mn-lt"/>
                           <a:ea typeface="+mn-ea"/>
@@ -8090,13 +8322,15 @@
                       <a:r>
                         <a:rPr lang="en-US" sz="2400" kern="1200" dirty="0">
                           <a:solidFill>
-                            <a:schemeClr val="tx2"/>
+                            <a:schemeClr val="accent3">
+                              <a:lumMod val="75000"/>
+                            </a:schemeClr>
                           </a:solidFill>
                           <a:latin typeface="+mn-lt"/>
                           <a:ea typeface="+mn-ea"/>
                           <a:cs typeface="+mn-cs"/>
                         </a:rPr>
-                        <a:t>Include with care to prevent butterfly effects.</a:t>
+                        <a:t>Manage your includes to prevent butterfly effects.</a:t>
                       </a:r>
                     </a:p>
                   </a:txBody>
@@ -8130,250 +8364,6 @@
   <p:cSld>
     <p:spTree>
       <p:nvGrpSpPr>
-        <p:cNvPr id="1" name=""/>
-        <p:cNvGrpSpPr/>
-        <p:nvPr/>
-      </p:nvGrpSpPr>
-      <p:grpSpPr>
-        <a:xfrm>
-          <a:off x="0" y="0"/>
-          <a:ext cx="0" cy="0"/>
-          <a:chOff x="0" y="0"/>
-          <a:chExt cx="0" cy="0"/>
-        </a:xfrm>
-      </p:grpSpPr>
-      <p:sp>
-        <p:nvSpPr>
-          <p:cNvPr id="2" name="Title 1"/>
-          <p:cNvSpPr>
-            <a:spLocks noGrp="1"/>
-          </p:cNvSpPr>
-          <p:nvPr>
-            <p:ph type="title"/>
-          </p:nvPr>
-        </p:nvSpPr>
-        <p:spPr>
-          <a:xfrm>
-            <a:off x="457200" y="274638"/>
-            <a:ext cx="8229600" cy="1143000"/>
-          </a:xfrm>
-        </p:spPr>
-        <p:txBody>
-          <a:bodyPr/>
-          <a:lstStyle/>
-          <a:p>
-            <a:r>
-              <a:rPr lang="en-US" dirty="0"/>
-              <a:t>Agenda</a:t>
-            </a:r>
-          </a:p>
-        </p:txBody>
-      </p:sp>
-      <p:sp>
-        <p:nvSpPr>
-          <p:cNvPr id="3" name="Content Placeholder 2"/>
-          <p:cNvSpPr>
-            <a:spLocks noGrp="1"/>
-          </p:cNvSpPr>
-          <p:nvPr>
-            <p:ph idx="1"/>
-          </p:nvPr>
-        </p:nvSpPr>
-        <p:spPr>
-          <a:xfrm>
-            <a:off x="457200" y="1600200"/>
-            <a:ext cx="8229600" cy="4525963"/>
-          </a:xfrm>
-        </p:spPr>
-        <p:txBody>
-          <a:bodyPr>
-            <a:normAutofit fontScale="85000" lnSpcReduction="20000"/>
-          </a:bodyPr>
-          <a:lstStyle/>
-          <a:p>
-            <a:r>
-              <a:rPr lang="en-US" dirty="0">
-                <a:solidFill>
-                  <a:schemeClr val="accent1"/>
-                </a:solidFill>
-              </a:rPr>
-              <a:t>Coupling: The butterfly effect</a:t>
-            </a:r>
-          </a:p>
-          <a:p>
-            <a:r>
-              <a:rPr lang="en-US" dirty="0">
-                <a:solidFill>
-                  <a:schemeClr val="accent1"/>
-                </a:solidFill>
-              </a:rPr>
-              <a:t>Compiler, Linker and Loader</a:t>
-            </a:r>
-          </a:p>
-          <a:p>
-            <a:r>
-              <a:rPr lang="en-US" dirty="0">
-                <a:solidFill>
-                  <a:schemeClr val="accent1"/>
-                </a:solidFill>
-              </a:rPr>
-              <a:t>Libraries: static, shared objects, </a:t>
-            </a:r>
-            <a:r>
-              <a:rPr lang="en-US" dirty="0" err="1">
-                <a:solidFill>
-                  <a:schemeClr val="accent1"/>
-                </a:solidFill>
-              </a:rPr>
-              <a:t>dlls</a:t>
-            </a:r>
-            <a:endParaRPr lang="en-US" dirty="0">
-              <a:solidFill>
-                <a:schemeClr val="accent1"/>
-              </a:solidFill>
-            </a:endParaRPr>
-          </a:p>
-          <a:p>
-            <a:r>
-              <a:rPr lang="en-US" dirty="0">
-                <a:solidFill>
-                  <a:schemeClr val="accent1"/>
-                </a:solidFill>
-              </a:rPr>
-              <a:t>Techniques to reduce coupling</a:t>
-            </a:r>
-          </a:p>
-          <a:p>
-            <a:pPr lvl="1"/>
-            <a:r>
-              <a:rPr lang="en-US" dirty="0">
-                <a:solidFill>
-                  <a:schemeClr val="accent1"/>
-                </a:solidFill>
-              </a:rPr>
-              <a:t>Single Responsibility</a:t>
-            </a:r>
-          </a:p>
-          <a:p>
-            <a:pPr lvl="1"/>
-            <a:r>
-              <a:rPr lang="en-US" dirty="0">
-                <a:solidFill>
-                  <a:schemeClr val="accent1"/>
-                </a:solidFill>
-              </a:rPr>
-              <a:t>Programming to an API (limit visibility)</a:t>
-            </a:r>
-          </a:p>
-          <a:p>
-            <a:pPr lvl="1"/>
-            <a:r>
-              <a:rPr lang="en-US" dirty="0">
-                <a:solidFill>
-                  <a:schemeClr val="accent1"/>
-                </a:solidFill>
-              </a:rPr>
-              <a:t>Prefer Composition over Inheritance</a:t>
-            </a:r>
-          </a:p>
-          <a:p>
-            <a:pPr lvl="1"/>
-            <a:r>
-              <a:rPr lang="en-US" dirty="0">
-                <a:solidFill>
-                  <a:schemeClr val="accent1"/>
-                </a:solidFill>
-              </a:rPr>
-              <a:t>The </a:t>
-            </a:r>
-            <a:r>
-              <a:rPr lang="en-US" dirty="0" err="1">
-                <a:solidFill>
-                  <a:schemeClr val="accent1"/>
-                </a:solidFill>
-              </a:rPr>
-              <a:t>pimpl</a:t>
-            </a:r>
-            <a:r>
-              <a:rPr lang="en-US" dirty="0">
-                <a:solidFill>
-                  <a:schemeClr val="accent1"/>
-                </a:solidFill>
-              </a:rPr>
-              <a:t> idiom</a:t>
-            </a:r>
-          </a:p>
-          <a:p>
-            <a:pPr lvl="1"/>
-            <a:r>
-              <a:rPr lang="en-US" dirty="0">
-                <a:solidFill>
-                  <a:schemeClr val="accent1"/>
-                </a:solidFill>
-              </a:rPr>
-              <a:t>Using interfaces</a:t>
-            </a:r>
-          </a:p>
-          <a:p>
-            <a:pPr lvl="1"/>
-            <a:r>
-              <a:rPr lang="en-US" dirty="0">
-                <a:solidFill>
-                  <a:schemeClr val="accent1"/>
-                </a:solidFill>
-              </a:rPr>
-              <a:t>Dynamic linking</a:t>
-            </a:r>
-          </a:p>
-          <a:p>
-            <a:pPr lvl="1"/>
-            <a:r>
-              <a:rPr lang="en-US" dirty="0">
-                <a:solidFill>
-                  <a:schemeClr val="accent1"/>
-                </a:solidFill>
-              </a:rPr>
-              <a:t>Dynamic loading and plugins</a:t>
-            </a:r>
-          </a:p>
-          <a:p>
-            <a:pPr lvl="1"/>
-            <a:endParaRPr lang="en-US" dirty="0"/>
-          </a:p>
-          <a:p>
-            <a:pPr lvl="1"/>
-            <a:endParaRPr lang="en-US" dirty="0"/>
-          </a:p>
-          <a:p>
-            <a:pPr lvl="1"/>
-            <a:endParaRPr lang="en-US" dirty="0"/>
-          </a:p>
-          <a:p>
-            <a:endParaRPr lang="en-US" dirty="0"/>
-          </a:p>
-          <a:p>
-            <a:endParaRPr lang="en-US" dirty="0"/>
-          </a:p>
-        </p:txBody>
-      </p:sp>
-    </p:spTree>
-    <p:extLst>
-      <p:ext uri="{BB962C8B-B14F-4D97-AF65-F5344CB8AC3E}">
-        <p14:creationId xmlns:p14="http://schemas.microsoft.com/office/powerpoint/2010/main" val="3564365611"/>
-      </p:ext>
-    </p:extLst>
-  </p:cSld>
-  <p:clrMapOvr>
-    <a:masterClrMapping/>
-  </p:clrMapOvr>
-</p:sld>
-</file>
-
-<file path=ppt/slides/slide4.xml><?xml version="1.0" encoding="utf-8"?>
-<p:sld xmlns:a="http://schemas.openxmlformats.org/drawingml/2006/main" xmlns:r="http://schemas.openxmlformats.org/officeDocument/2006/relationships" xmlns:p="http://schemas.openxmlformats.org/presentationml/2006/main">
-  <p:cSld>
-    <p:spTree>
-      <p:nvGrpSpPr>
         <p:cNvPr id="1" name="">
           <a:extLst>
             <a:ext uri="{FF2B5EF4-FFF2-40B4-BE49-F238E27FC236}">
@@ -8514,6 +8504,106 @@
     <p:extLst>
       <p:ext uri="{BB962C8B-B14F-4D97-AF65-F5344CB8AC3E}">
         <p14:creationId xmlns:p14="http://schemas.microsoft.com/office/powerpoint/2010/main" val="3097834335"/>
+      </p:ext>
+    </p:extLst>
+  </p:cSld>
+  <p:clrMapOvr>
+    <a:masterClrMapping/>
+  </p:clrMapOvr>
+</p:sld>
+</file>
+
+<file path=ppt/slides/slide4.xml><?xml version="1.0" encoding="utf-8"?>
+<p:sld xmlns:a="http://schemas.openxmlformats.org/drawingml/2006/main" xmlns:r="http://schemas.openxmlformats.org/officeDocument/2006/relationships" xmlns:p="http://schemas.openxmlformats.org/presentationml/2006/main">
+  <p:cSld>
+    <p:spTree>
+      <p:nvGrpSpPr>
+        <p:cNvPr id="1" name=""/>
+        <p:cNvGrpSpPr/>
+        <p:nvPr/>
+      </p:nvGrpSpPr>
+      <p:grpSpPr>
+        <a:xfrm>
+          <a:off x="0" y="0"/>
+          <a:ext cx="0" cy="0"/>
+          <a:chOff x="0" y="0"/>
+          <a:chExt cx="0" cy="0"/>
+        </a:xfrm>
+      </p:grpSpPr>
+      <p:sp>
+        <p:nvSpPr>
+          <p:cNvPr id="2" name="Title 1"/>
+          <p:cNvSpPr>
+            <a:spLocks noGrp="1"/>
+          </p:cNvSpPr>
+          <p:nvPr>
+            <p:ph type="title"/>
+          </p:nvPr>
+        </p:nvSpPr>
+        <p:spPr/>
+        <p:txBody>
+          <a:bodyPr/>
+          <a:lstStyle/>
+          <a:p>
+            <a:r>
+              <a:rPr lang="en-US" dirty="0"/>
+              <a:t>Compiler</a:t>
+            </a:r>
+          </a:p>
+        </p:txBody>
+      </p:sp>
+      <p:sp>
+        <p:nvSpPr>
+          <p:cNvPr id="3" name="Content Placeholder 2"/>
+          <p:cNvSpPr>
+            <a:spLocks noGrp="1"/>
+          </p:cNvSpPr>
+          <p:nvPr>
+            <p:ph idx="1"/>
+          </p:nvPr>
+        </p:nvSpPr>
+        <p:spPr/>
+        <p:txBody>
+          <a:bodyPr>
+            <a:normAutofit/>
+          </a:bodyPr>
+          <a:lstStyle/>
+          <a:p>
+            <a:r>
+              <a:rPr lang="en-US" dirty="0">
+                <a:solidFill>
+                  <a:schemeClr val="accent1"/>
+                </a:solidFill>
+              </a:rPr>
+              <a:t>The compiler converts a C/C++ file (also called a translation unit) to an object file. </a:t>
+            </a:r>
+          </a:p>
+          <a:p>
+            <a:r>
+              <a:rPr lang="en-US" dirty="0">
+                <a:solidFill>
+                  <a:schemeClr val="accent1"/>
+                </a:solidFill>
+              </a:rPr>
+              <a:t>Code in the object file may call functions and refer to external symbols that are not defined in the same translation unit.</a:t>
+            </a:r>
+          </a:p>
+          <a:p>
+            <a:r>
+              <a:rPr lang="en-US" dirty="0">
+                <a:solidFill>
+                  <a:schemeClr val="accent1"/>
+                </a:solidFill>
+              </a:rPr>
+              <a:t>The compiler adds metadata to the object file to list the symbols defined in the translation unit and to list the symbols referenced.</a:t>
+            </a:r>
+          </a:p>
+        </p:txBody>
+      </p:sp>
+    </p:spTree>
+    <p:extLst>
+      <p:ext uri="{BB962C8B-B14F-4D97-AF65-F5344CB8AC3E}">
+        <p14:creationId xmlns:p14="http://schemas.microsoft.com/office/powerpoint/2010/main" val="1249343242"/>
       </p:ext>
     </p:extLst>
   </p:cSld>
@@ -8557,7 +8647,7 @@
           <a:p>
             <a:r>
               <a:rPr lang="en-US" dirty="0"/>
-              <a:t>Compiler</a:t>
+              <a:t>Linker</a:t>
             </a:r>
           </a:p>
         </p:txBody>
@@ -8575,7 +8665,7 @@
         <p:spPr/>
         <p:txBody>
           <a:bodyPr>
-            <a:normAutofit/>
+            <a:normAutofit fontScale="85000" lnSpcReduction="20000"/>
           </a:bodyPr>
           <a:lstStyle/>
           <a:p>
@@ -8585,27 +8675,91 @@
                   <a:schemeClr val="accent1"/>
                 </a:solidFill>
               </a:rPr>
-              <a:t>The compiler converts a C/C++ file (also called a translation unit) to an object file. </a:t>
-            </a:r>
-          </a:p>
-          <a:p>
-            <a:r>
-              <a:rPr lang="en-US" dirty="0">
-                <a:solidFill>
-                  <a:schemeClr val="accent1"/>
-                </a:solidFill>
-              </a:rPr>
-              <a:t>Code in the object file may call functions and refer to external symbols that are not defined in the same translation unit.</a:t>
-            </a:r>
-          </a:p>
-          <a:p>
-            <a:r>
-              <a:rPr lang="en-US" dirty="0">
-                <a:solidFill>
-                  <a:schemeClr val="accent1"/>
-                </a:solidFill>
-              </a:rPr>
-              <a:t>The compiler adds metadata to the object file to list the symbols defined in the translation unit and to list the symbols referenced.</a:t>
+              <a:t>The linker converts source files to a set of object files (and libraries) and creates an executable image. </a:t>
+            </a:r>
+          </a:p>
+          <a:p>
+            <a:pPr lvl="1"/>
+            <a:r>
+              <a:rPr lang="en-US" dirty="0">
+                <a:solidFill>
+                  <a:schemeClr val="accent1"/>
+                </a:solidFill>
+              </a:rPr>
+              <a:t>ELF on Linux </a:t>
+            </a:r>
+          </a:p>
+          <a:p>
+            <a:pPr lvl="1"/>
+            <a:r>
+              <a:rPr lang="en-US" dirty="0">
+                <a:solidFill>
+                  <a:schemeClr val="accent1"/>
+                </a:solidFill>
+              </a:rPr>
+              <a:t>PE on Windows</a:t>
+            </a:r>
+          </a:p>
+          <a:p>
+            <a:r>
+              <a:rPr lang="en-US" dirty="0">
+                <a:solidFill>
+                  <a:schemeClr val="accent1"/>
+                </a:solidFill>
+              </a:rPr>
+              <a:t>An executable is one of two</a:t>
+            </a:r>
+          </a:p>
+          <a:p>
+            <a:pPr lvl="1"/>
+            <a:r>
+              <a:rPr lang="en-US" dirty="0">
+                <a:solidFill>
+                  <a:schemeClr val="accent1"/>
+                </a:solidFill>
+              </a:rPr>
+              <a:t>An exe (has a main entry point)</a:t>
+            </a:r>
+          </a:p>
+          <a:p>
+            <a:pPr lvl="1"/>
+            <a:r>
+              <a:rPr lang="en-US" dirty="0">
+                <a:solidFill>
+                  <a:schemeClr val="accent1"/>
+                </a:solidFill>
+              </a:rPr>
+              <a:t>A dynamically linked library (no main)</a:t>
+            </a:r>
+          </a:p>
+          <a:p>
+            <a:r>
+              <a:rPr lang="en-US" dirty="0">
+                <a:solidFill>
+                  <a:schemeClr val="accent1"/>
+                </a:solidFill>
+              </a:rPr>
+              <a:t>On Linux an exe can also be used as a library</a:t>
+            </a:r>
+          </a:p>
+          <a:p>
+            <a:r>
+              <a:rPr lang="en-US" dirty="0">
+                <a:solidFill>
+                  <a:schemeClr val="accent1"/>
+                </a:solidFill>
+              </a:rPr>
+              <a:t>The linker resolves all symbols and updates call addresses.</a:t>
+            </a:r>
+          </a:p>
+          <a:p>
+            <a:r>
+              <a:rPr lang="en-US" dirty="0">
+                <a:solidFill>
+                  <a:schemeClr val="accent1"/>
+                </a:solidFill>
+              </a:rPr>
+              <a:t>The linker fails if there are multiple symbols with the same name or if there are missing symbols.</a:t>
             </a:r>
           </a:p>
         </p:txBody>
@@ -8613,7 +8767,7 @@
     </p:spTree>
     <p:extLst>
       <p:ext uri="{BB962C8B-B14F-4D97-AF65-F5344CB8AC3E}">
-        <p14:creationId xmlns:p14="http://schemas.microsoft.com/office/powerpoint/2010/main" val="1249343242"/>
+        <p14:creationId xmlns:p14="http://schemas.microsoft.com/office/powerpoint/2010/main" val="2900170025"/>
       </p:ext>
     </p:extLst>
   </p:cSld>
@@ -8642,170 +8796,6 @@
       </p:grpSpPr>
       <p:sp>
         <p:nvSpPr>
-          <p:cNvPr id="2" name="Title 1"/>
-          <p:cNvSpPr>
-            <a:spLocks noGrp="1"/>
-          </p:cNvSpPr>
-          <p:nvPr>
-            <p:ph type="title"/>
-          </p:nvPr>
-        </p:nvSpPr>
-        <p:spPr/>
-        <p:txBody>
-          <a:bodyPr/>
-          <a:lstStyle/>
-          <a:p>
-            <a:r>
-              <a:rPr lang="en-US" dirty="0"/>
-              <a:t>Linker</a:t>
-            </a:r>
-          </a:p>
-        </p:txBody>
-      </p:sp>
-      <p:sp>
-        <p:nvSpPr>
-          <p:cNvPr id="3" name="Content Placeholder 2"/>
-          <p:cNvSpPr>
-            <a:spLocks noGrp="1"/>
-          </p:cNvSpPr>
-          <p:nvPr>
-            <p:ph idx="1"/>
-          </p:nvPr>
-        </p:nvSpPr>
-        <p:spPr/>
-        <p:txBody>
-          <a:bodyPr>
-            <a:normAutofit fontScale="85000" lnSpcReduction="20000"/>
-          </a:bodyPr>
-          <a:lstStyle/>
-          <a:p>
-            <a:r>
-              <a:rPr lang="en-US" dirty="0">
-                <a:solidFill>
-                  <a:schemeClr val="accent1"/>
-                </a:solidFill>
-              </a:rPr>
-              <a:t>The linker converts source files to a set of object files (and libraries) and creates an executable image. </a:t>
-            </a:r>
-          </a:p>
-          <a:p>
-            <a:pPr lvl="1"/>
-            <a:r>
-              <a:rPr lang="en-US" dirty="0">
-                <a:solidFill>
-                  <a:schemeClr val="accent1"/>
-                </a:solidFill>
-              </a:rPr>
-              <a:t>ELF on Linux </a:t>
-            </a:r>
-          </a:p>
-          <a:p>
-            <a:pPr lvl="1"/>
-            <a:r>
-              <a:rPr lang="en-US" dirty="0">
-                <a:solidFill>
-                  <a:schemeClr val="accent1"/>
-                </a:solidFill>
-              </a:rPr>
-              <a:t>PE on Windows</a:t>
-            </a:r>
-          </a:p>
-          <a:p>
-            <a:r>
-              <a:rPr lang="en-US" dirty="0">
-                <a:solidFill>
-                  <a:schemeClr val="accent1"/>
-                </a:solidFill>
-              </a:rPr>
-              <a:t>An executable is one of two</a:t>
-            </a:r>
-          </a:p>
-          <a:p>
-            <a:pPr lvl="1"/>
-            <a:r>
-              <a:rPr lang="en-US" dirty="0">
-                <a:solidFill>
-                  <a:schemeClr val="accent1"/>
-                </a:solidFill>
-              </a:rPr>
-              <a:t>An exe (has a main entry point)</a:t>
-            </a:r>
-          </a:p>
-          <a:p>
-            <a:pPr lvl="1"/>
-            <a:r>
-              <a:rPr lang="en-US" dirty="0">
-                <a:solidFill>
-                  <a:schemeClr val="accent1"/>
-                </a:solidFill>
-              </a:rPr>
-              <a:t>A dynamically linked library (no main)</a:t>
-            </a:r>
-          </a:p>
-          <a:p>
-            <a:r>
-              <a:rPr lang="en-US" dirty="0">
-                <a:solidFill>
-                  <a:schemeClr val="accent1"/>
-                </a:solidFill>
-              </a:rPr>
-              <a:t>On Linux an exe can also be used as a library</a:t>
-            </a:r>
-          </a:p>
-          <a:p>
-            <a:r>
-              <a:rPr lang="en-US" dirty="0">
-                <a:solidFill>
-                  <a:schemeClr val="accent1"/>
-                </a:solidFill>
-              </a:rPr>
-              <a:t>The linker resolves all symbols and updates call addresses.</a:t>
-            </a:r>
-          </a:p>
-          <a:p>
-            <a:r>
-              <a:rPr lang="en-US" dirty="0">
-                <a:solidFill>
-                  <a:schemeClr val="accent1"/>
-                </a:solidFill>
-              </a:rPr>
-              <a:t>The linker fails if there are multiple symbols with the same name or if there are missing symbols.</a:t>
-            </a:r>
-          </a:p>
-        </p:txBody>
-      </p:sp>
-    </p:spTree>
-    <p:extLst>
-      <p:ext uri="{BB962C8B-B14F-4D97-AF65-F5344CB8AC3E}">
-        <p14:creationId xmlns:p14="http://schemas.microsoft.com/office/powerpoint/2010/main" val="2900170025"/>
-      </p:ext>
-    </p:extLst>
-  </p:cSld>
-  <p:clrMapOvr>
-    <a:masterClrMapping/>
-  </p:clrMapOvr>
-</p:sld>
-</file>
-
-<file path=ppt/slides/slide7.xml><?xml version="1.0" encoding="utf-8"?>
-<p:sld xmlns:a="http://schemas.openxmlformats.org/drawingml/2006/main" xmlns:r="http://schemas.openxmlformats.org/officeDocument/2006/relationships" xmlns:p="http://schemas.openxmlformats.org/presentationml/2006/main">
-  <p:cSld>
-    <p:spTree>
-      <p:nvGrpSpPr>
-        <p:cNvPr id="1" name=""/>
-        <p:cNvGrpSpPr/>
-        <p:nvPr/>
-      </p:nvGrpSpPr>
-      <p:grpSpPr>
-        <a:xfrm>
-          <a:off x="0" y="0"/>
-          <a:ext cx="0" cy="0"/>
-          <a:chOff x="0" y="0"/>
-          <a:chExt cx="0" cy="0"/>
-        </a:xfrm>
-      </p:grpSpPr>
-      <p:sp>
-        <p:nvSpPr>
           <p:cNvPr id="2" name="Title 1">
             <a:extLst>
               <a:ext uri="{FF2B5EF4-FFF2-40B4-BE49-F238E27FC236}">
@@ -9025,7 +9015,7 @@
 </p:sld>
 </file>
 
-<file path=ppt/slides/slide8.xml><?xml version="1.0" encoding="utf-8"?>
+<file path=ppt/slides/slide7.xml><?xml version="1.0" encoding="utf-8"?>
 <p:sld xmlns:a="http://schemas.openxmlformats.org/drawingml/2006/main" xmlns:r="http://schemas.openxmlformats.org/officeDocument/2006/relationships" xmlns:p="http://schemas.openxmlformats.org/presentationml/2006/main">
   <p:cSld>
     <p:spTree>
@@ -9205,7 +9195,7 @@
 </p:sld>
 </file>
 
-<file path=ppt/slides/slide9.xml><?xml version="1.0" encoding="utf-8"?>
+<file path=ppt/slides/slide8.xml><?xml version="1.0" encoding="utf-8"?>
 <p:sld xmlns:a="http://schemas.openxmlformats.org/drawingml/2006/main" xmlns:r="http://schemas.openxmlformats.org/officeDocument/2006/relationships" xmlns:p="http://schemas.openxmlformats.org/presentationml/2006/main">
   <p:cSld>
     <p:spTree>
@@ -9329,6 +9319,232 @@
     <p:extLst>
       <p:ext uri="{BB962C8B-B14F-4D97-AF65-F5344CB8AC3E}">
         <p14:creationId xmlns:p14="http://schemas.microsoft.com/office/powerpoint/2010/main" val="1222365232"/>
+      </p:ext>
+    </p:extLst>
+  </p:cSld>
+  <p:clrMapOvr>
+    <a:masterClrMapping/>
+  </p:clrMapOvr>
+</p:sld>
+</file>
+
+<file path=ppt/slides/slide9.xml><?xml version="1.0" encoding="utf-8"?>
+<p:sld xmlns:a="http://schemas.openxmlformats.org/drawingml/2006/main" xmlns:r="http://schemas.openxmlformats.org/officeDocument/2006/relationships" xmlns:p="http://schemas.openxmlformats.org/presentationml/2006/main">
+  <p:cSld>
+    <p:spTree>
+      <p:nvGrpSpPr>
+        <p:cNvPr id="1" name="">
+          <a:extLst>
+            <a:ext uri="{FF2B5EF4-FFF2-40B4-BE49-F238E27FC236}">
+              <a16:creationId xmlns:a16="http://schemas.microsoft.com/office/drawing/2014/main" id="{D727C966-5E3D-BD5A-CA30-13272CCFF6A0}"/>
+            </a:ext>
+          </a:extLst>
+        </p:cNvPr>
+        <p:cNvGrpSpPr/>
+        <p:nvPr/>
+      </p:nvGrpSpPr>
+      <p:grpSpPr>
+        <a:xfrm>
+          <a:off x="0" y="0"/>
+          <a:ext cx="0" cy="0"/>
+          <a:chOff x="0" y="0"/>
+          <a:chExt cx="0" cy="0"/>
+        </a:xfrm>
+      </p:grpSpPr>
+      <p:sp>
+        <p:nvSpPr>
+          <p:cNvPr id="2" name="Title 1">
+            <a:extLst>
+              <a:ext uri="{FF2B5EF4-FFF2-40B4-BE49-F238E27FC236}">
+                <a16:creationId xmlns:a16="http://schemas.microsoft.com/office/drawing/2014/main" id="{DC7E71A3-133A-CF44-06A5-72828DD6E157}"/>
+              </a:ext>
+            </a:extLst>
+          </p:cNvPr>
+          <p:cNvSpPr>
+            <a:spLocks noGrp="1"/>
+          </p:cNvSpPr>
+          <p:nvPr>
+            <p:ph type="title"/>
+          </p:nvPr>
+        </p:nvSpPr>
+        <p:spPr/>
+        <p:txBody>
+          <a:bodyPr/>
+          <a:lstStyle/>
+          <a:p>
+            <a:r>
+              <a:rPr lang="en-US" dirty="0"/>
+              <a:t>Static Libraries: </a:t>
+            </a:r>
+            <a:r>
+              <a:rPr lang="en-US" dirty="0">
+                <a:solidFill>
+                  <a:schemeClr val="accent3"/>
+                </a:solidFill>
+              </a:rPr>
+              <a:t>Pros</a:t>
+            </a:r>
+            <a:r>
+              <a:rPr lang="en-US" dirty="0"/>
+              <a:t> and </a:t>
+            </a:r>
+            <a:r>
+              <a:rPr lang="en-US" dirty="0">
+                <a:solidFill>
+                  <a:schemeClr val="accent2"/>
+                </a:solidFill>
+              </a:rPr>
+              <a:t>Cons</a:t>
+            </a:r>
+          </a:p>
+        </p:txBody>
+      </p:sp>
+      <p:sp>
+        <p:nvSpPr>
+          <p:cNvPr id="3" name="Content Placeholder 2">
+            <a:extLst>
+              <a:ext uri="{FF2B5EF4-FFF2-40B4-BE49-F238E27FC236}">
+                <a16:creationId xmlns:a16="http://schemas.microsoft.com/office/drawing/2014/main" id="{DF60FA4A-F554-3DD2-9B61-40E9E894D269}"/>
+              </a:ext>
+            </a:extLst>
+          </p:cNvPr>
+          <p:cNvSpPr>
+            <a:spLocks noGrp="1"/>
+          </p:cNvSpPr>
+          <p:nvPr>
+            <p:ph idx="1"/>
+          </p:nvPr>
+        </p:nvSpPr>
+        <p:spPr/>
+        <p:txBody>
+          <a:bodyPr>
+            <a:normAutofit fontScale="92500" lnSpcReduction="20000"/>
+          </a:bodyPr>
+          <a:lstStyle/>
+          <a:p>
+            <a:r>
+              <a:rPr lang="en-US" b="0" i="0" dirty="0">
+                <a:solidFill>
+                  <a:schemeClr val="accent3"/>
+                </a:solidFill>
+                <a:effectLst/>
+                <a:latin typeface="Söhne"/>
+              </a:rPr>
+              <a:t>Pros</a:t>
+            </a:r>
+            <a:endParaRPr lang="en-US" dirty="0">
+              <a:solidFill>
+                <a:schemeClr val="accent1"/>
+              </a:solidFill>
+              <a:latin typeface="Söhne"/>
+            </a:endParaRPr>
+          </a:p>
+          <a:p>
+            <a:pPr lvl="1"/>
+            <a:r>
+              <a:rPr lang="en-US" dirty="0">
+                <a:solidFill>
+                  <a:schemeClr val="accent1"/>
+                </a:solidFill>
+                <a:latin typeface="Söhne"/>
+              </a:rPr>
+              <a:t>Code organization</a:t>
+            </a:r>
+          </a:p>
+          <a:p>
+            <a:pPr lvl="1"/>
+            <a:r>
+              <a:rPr lang="en-US" dirty="0">
+                <a:solidFill>
+                  <a:schemeClr val="accent1"/>
+                </a:solidFill>
+                <a:latin typeface="Söhne"/>
+              </a:rPr>
+              <a:t>Reduced build time</a:t>
+            </a:r>
+          </a:p>
+          <a:p>
+            <a:pPr lvl="1"/>
+            <a:r>
+              <a:rPr lang="en-US" dirty="0">
+                <a:solidFill>
+                  <a:schemeClr val="accent1"/>
+                </a:solidFill>
+                <a:latin typeface="Söhne"/>
+              </a:rPr>
+              <a:t>Hiding implementations from non-IDA-experts</a:t>
+            </a:r>
+          </a:p>
+          <a:p>
+            <a:r>
+              <a:rPr lang="en-US" dirty="0">
+                <a:solidFill>
+                  <a:schemeClr val="accent2"/>
+                </a:solidFill>
+                <a:latin typeface="Söhne"/>
+              </a:rPr>
+              <a:t>Cons</a:t>
+            </a:r>
+          </a:p>
+          <a:p>
+            <a:pPr lvl="1"/>
+            <a:r>
+              <a:rPr lang="en-US" dirty="0">
+                <a:solidFill>
+                  <a:schemeClr val="accent1"/>
+                </a:solidFill>
+                <a:latin typeface="Söhne"/>
+              </a:rPr>
+              <a:t>Dependency requirements leak out of the library.</a:t>
+            </a:r>
+          </a:p>
+          <a:p>
+            <a:pPr lvl="1"/>
+            <a:r>
+              <a:rPr lang="en-US" dirty="0">
+                <a:solidFill>
+                  <a:schemeClr val="accent1"/>
+                </a:solidFill>
+                <a:latin typeface="Söhne"/>
+              </a:rPr>
+              <a:t>All symbols in a static library are exported (no encapsulation)</a:t>
+            </a:r>
+          </a:p>
+          <a:p>
+            <a:pPr lvl="1"/>
+            <a:r>
+              <a:rPr lang="en-US" dirty="0">
+                <a:solidFill>
+                  <a:schemeClr val="accent1"/>
+                </a:solidFill>
+                <a:latin typeface="Söhne"/>
+              </a:rPr>
+              <a:t>Each executable image that uses the library contains its own copy of the library (no savings in disk or memory footprint)</a:t>
+            </a:r>
+          </a:p>
+          <a:p>
+            <a:pPr lvl="1"/>
+            <a:endParaRPr lang="en-US" dirty="0">
+              <a:solidFill>
+                <a:schemeClr val="accent1"/>
+              </a:solidFill>
+              <a:latin typeface="Söhne"/>
+            </a:endParaRPr>
+          </a:p>
+          <a:p>
+            <a:endParaRPr lang="en-US" dirty="0">
+              <a:solidFill>
+                <a:schemeClr val="accent1"/>
+              </a:solidFill>
+              <a:latin typeface="Söhne"/>
+            </a:endParaRPr>
+          </a:p>
+        </p:txBody>
+      </p:sp>
+    </p:spTree>
+    <p:extLst>
+      <p:ext uri="{BB962C8B-B14F-4D97-AF65-F5344CB8AC3E}">
+        <p14:creationId xmlns:p14="http://schemas.microsoft.com/office/powerpoint/2010/main" val="1691397319"/>
       </p:ext>
     </p:extLst>
   </p:cSld>
